--- a/docs/images/flowchart.pptx
+++ b/docs/images/flowchart.pptx
@@ -104,6 +104,11 @@
       </a:defRPr>
     </a:lvl9pPr>
   </p:defaultTextStyle>
+  <p:extLst>
+    <p:ext uri="{EFAFB233-063F-42B5-8137-9DF3F51BA10A}">
+      <p15:sldGuideLst xmlns:p15="http://schemas.microsoft.com/office/powerpoint/2012/main"/>
+    </p:ext>
+  </p:extLst>
 </p:presentation>
 </file>
 
@@ -238,7 +243,7 @@
           <a:p>
             <a:fld id="{111F7F3C-B50A-4D16-B0B7-3047866B80B1}" type="datetimeFigureOut">
               <a:rPr lang="en-US" smtClean="0"/>
-              <a:t>3/7/2016</a:t>
+              <a:t>6/15/2016</a:t>
             </a:fld>
             <a:endParaRPr lang="en-US"/>
           </a:p>
@@ -408,7 +413,7 @@
           <a:p>
             <a:fld id="{111F7F3C-B50A-4D16-B0B7-3047866B80B1}" type="datetimeFigureOut">
               <a:rPr lang="en-US" smtClean="0"/>
-              <a:t>3/7/2016</a:t>
+              <a:t>6/15/2016</a:t>
             </a:fld>
             <a:endParaRPr lang="en-US"/>
           </a:p>
@@ -588,7 +593,7 @@
           <a:p>
             <a:fld id="{111F7F3C-B50A-4D16-B0B7-3047866B80B1}" type="datetimeFigureOut">
               <a:rPr lang="en-US" smtClean="0"/>
-              <a:t>3/7/2016</a:t>
+              <a:t>6/15/2016</a:t>
             </a:fld>
             <a:endParaRPr lang="en-US"/>
           </a:p>
@@ -758,7 +763,7 @@
           <a:p>
             <a:fld id="{111F7F3C-B50A-4D16-B0B7-3047866B80B1}" type="datetimeFigureOut">
               <a:rPr lang="en-US" smtClean="0"/>
-              <a:t>3/7/2016</a:t>
+              <a:t>6/15/2016</a:t>
             </a:fld>
             <a:endParaRPr lang="en-US"/>
           </a:p>
@@ -1004,7 +1009,7 @@
           <a:p>
             <a:fld id="{111F7F3C-B50A-4D16-B0B7-3047866B80B1}" type="datetimeFigureOut">
               <a:rPr lang="en-US" smtClean="0"/>
-              <a:t>3/7/2016</a:t>
+              <a:t>6/15/2016</a:t>
             </a:fld>
             <a:endParaRPr lang="en-US"/>
           </a:p>
@@ -1236,7 +1241,7 @@
           <a:p>
             <a:fld id="{111F7F3C-B50A-4D16-B0B7-3047866B80B1}" type="datetimeFigureOut">
               <a:rPr lang="en-US" smtClean="0"/>
-              <a:t>3/7/2016</a:t>
+              <a:t>6/15/2016</a:t>
             </a:fld>
             <a:endParaRPr lang="en-US"/>
           </a:p>
@@ -1603,7 +1608,7 @@
           <a:p>
             <a:fld id="{111F7F3C-B50A-4D16-B0B7-3047866B80B1}" type="datetimeFigureOut">
               <a:rPr lang="en-US" smtClean="0"/>
-              <a:t>3/7/2016</a:t>
+              <a:t>6/15/2016</a:t>
             </a:fld>
             <a:endParaRPr lang="en-US"/>
           </a:p>
@@ -1721,7 +1726,7 @@
           <a:p>
             <a:fld id="{111F7F3C-B50A-4D16-B0B7-3047866B80B1}" type="datetimeFigureOut">
               <a:rPr lang="en-US" smtClean="0"/>
-              <a:t>3/7/2016</a:t>
+              <a:t>6/15/2016</a:t>
             </a:fld>
             <a:endParaRPr lang="en-US"/>
           </a:p>
@@ -1816,7 +1821,7 @@
           <a:p>
             <a:fld id="{111F7F3C-B50A-4D16-B0B7-3047866B80B1}" type="datetimeFigureOut">
               <a:rPr lang="en-US" smtClean="0"/>
-              <a:t>3/7/2016</a:t>
+              <a:t>6/15/2016</a:t>
             </a:fld>
             <a:endParaRPr lang="en-US"/>
           </a:p>
@@ -2093,7 +2098,7 @@
           <a:p>
             <a:fld id="{111F7F3C-B50A-4D16-B0B7-3047866B80B1}" type="datetimeFigureOut">
               <a:rPr lang="en-US" smtClean="0"/>
-              <a:t>3/7/2016</a:t>
+              <a:t>6/15/2016</a:t>
             </a:fld>
             <a:endParaRPr lang="en-US"/>
           </a:p>
@@ -2346,7 +2351,7 @@
           <a:p>
             <a:fld id="{111F7F3C-B50A-4D16-B0B7-3047866B80B1}" type="datetimeFigureOut">
               <a:rPr lang="en-US" smtClean="0"/>
-              <a:t>3/7/2016</a:t>
+              <a:t>6/15/2016</a:t>
             </a:fld>
             <a:endParaRPr lang="en-US"/>
           </a:p>
@@ -2559,7 +2564,7 @@
           <a:p>
             <a:fld id="{111F7F3C-B50A-4D16-B0B7-3047866B80B1}" type="datetimeFigureOut">
               <a:rPr lang="en-US" smtClean="0"/>
-              <a:t>3/7/2016</a:t>
+              <a:t>6/15/2016</a:t>
             </a:fld>
             <a:endParaRPr lang="en-US"/>
           </a:p>
@@ -3325,7 +3330,15 @@
                   <a:schemeClr val="tx1"/>
                 </a:solidFill>
               </a:rPr>
-              <a:t>Binary Movie</a:t>
+              <a:t>Blurred </a:t>
+            </a:r>
+            <a:r>
+              <a:rPr lang="en-US" dirty="0" smtClean="0">
+                <a:solidFill>
+                  <a:schemeClr val="tx1"/>
+                </a:solidFill>
+              </a:rPr>
+              <a:t>Movie</a:t>
             </a:r>
             <a:endParaRPr lang="en-US" baseline="-25000" dirty="0">
               <a:solidFill>
@@ -3445,13 +3458,13 @@
       </p:cxnSp>
       <p:sp>
         <p:nvSpPr>
-          <p:cNvPr id="21" name="Rounded Rectangle 20"/>
+          <p:cNvPr id="22" name="Rounded Rectangle 21"/>
           <p:cNvSpPr/>
           <p:nvPr/>
         </p:nvSpPr>
         <p:spPr>
           <a:xfrm>
-            <a:off x="6884126" y="1001485"/>
+            <a:off x="6883959" y="1018358"/>
             <a:ext cx="3222171" cy="798286"/>
           </a:xfrm>
           <a:prstGeom prst="roundRect">
@@ -3498,7 +3511,7 @@
                   <a:schemeClr val="tx1"/>
                 </a:solidFill>
               </a:rPr>
-              <a:t>Density Movie</a:t>
+              <a:t>Clusters Movie</a:t>
             </a:r>
             <a:endParaRPr lang="en-US" baseline="-25000" dirty="0">
               <a:solidFill>
@@ -3508,77 +3521,11 @@
           </a:p>
         </p:txBody>
       </p:sp>
-      <p:sp>
-        <p:nvSpPr>
-          <p:cNvPr id="22" name="Rounded Rectangle 21"/>
-          <p:cNvSpPr/>
-          <p:nvPr/>
-        </p:nvSpPr>
-        <p:spPr>
-          <a:xfrm>
-            <a:off x="6884126" y="2496822"/>
-            <a:ext cx="3222171" cy="798286"/>
-          </a:xfrm>
-          <a:prstGeom prst="roundRect">
-            <a:avLst/>
-          </a:prstGeom>
-          <a:solidFill>
-            <a:schemeClr val="accent1">
-              <a:lumMod val="40000"/>
-              <a:lumOff val="60000"/>
-            </a:schemeClr>
-          </a:solidFill>
-          <a:scene3d>
-            <a:camera prst="orthographicFront"/>
-            <a:lightRig rig="threePt" dir="t"/>
-          </a:scene3d>
-          <a:sp3d>
-            <a:bevelT/>
-          </a:sp3d>
-        </p:spPr>
-        <p:style>
-          <a:lnRef idx="2">
-            <a:schemeClr val="accent1">
-              <a:shade val="50000"/>
-            </a:schemeClr>
-          </a:lnRef>
-          <a:fillRef idx="1">
-            <a:schemeClr val="accent1"/>
-          </a:fillRef>
-          <a:effectRef idx="0">
-            <a:schemeClr val="accent1"/>
-          </a:effectRef>
-          <a:fontRef idx="minor">
-            <a:schemeClr val="lt1"/>
-          </a:fontRef>
-        </p:style>
-        <p:txBody>
-          <a:bodyPr rtlCol="0" anchor="ctr"/>
-          <a:lstStyle/>
-          <a:p>
-            <a:pPr algn="ctr"/>
-            <a:r>
-              <a:rPr lang="en-US" dirty="0" smtClean="0">
-                <a:solidFill>
-                  <a:schemeClr val="tx1"/>
-                </a:solidFill>
-              </a:rPr>
-              <a:t>Clusters Movie</a:t>
-            </a:r>
-            <a:endParaRPr lang="en-US" baseline="-25000" dirty="0">
-              <a:solidFill>
-                <a:schemeClr val="tx1"/>
-              </a:solidFill>
-            </a:endParaRPr>
-          </a:p>
-        </p:txBody>
-      </p:sp>
       <p:cxnSp>
         <p:nvCxnSpPr>
           <p:cNvPr id="23" name="Straight Arrow Connector 22"/>
           <p:cNvCxnSpPr>
             <a:stCxn id="11" idx="3"/>
-            <a:endCxn id="21" idx="1"/>
           </p:cNvCxnSpPr>
           <p:nvPr/>
         </p:nvCxnSpPr>
@@ -3586,41 +3533,6 @@
           <a:xfrm flipV="1">
             <a:off x="5005567" y="1400628"/>
             <a:ext cx="1878559" cy="4601757"/>
-          </a:xfrm>
-          <a:prstGeom prst="straightConnector1">
-            <a:avLst/>
-          </a:prstGeom>
-          <a:ln w="63500">
-            <a:tailEnd type="triangle"/>
-          </a:ln>
-        </p:spPr>
-        <p:style>
-          <a:lnRef idx="3">
-            <a:schemeClr val="dk1"/>
-          </a:lnRef>
-          <a:fillRef idx="0">
-            <a:schemeClr val="dk1"/>
-          </a:fillRef>
-          <a:effectRef idx="2">
-            <a:schemeClr val="dk1"/>
-          </a:effectRef>
-          <a:fontRef idx="minor">
-            <a:schemeClr val="tx1"/>
-          </a:fontRef>
-        </p:style>
-      </p:cxnSp>
-      <p:cxnSp>
-        <p:nvCxnSpPr>
-          <p:cNvPr id="26" name="Straight Arrow Connector 25"/>
-          <p:cNvCxnSpPr>
-            <a:endCxn id="22" idx="0"/>
-          </p:cNvCxnSpPr>
-          <p:nvPr/>
-        </p:nvCxnSpPr>
-        <p:spPr>
-          <a:xfrm>
-            <a:off x="8495209" y="1799771"/>
-            <a:ext cx="3" cy="697051"/>
           </a:xfrm>
           <a:prstGeom prst="straightConnector1">
             <a:avLst/>
@@ -3803,9 +3715,9 @@
           <p:nvPr/>
         </p:nvCxnSpPr>
         <p:spPr>
-          <a:xfrm rot="5400000">
-            <a:off x="7554505" y="4235813"/>
-            <a:ext cx="1881412" cy="3"/>
+          <a:xfrm rot="16200000" flipH="1">
+            <a:off x="6815189" y="3496500"/>
+            <a:ext cx="3359876" cy="164"/>
           </a:xfrm>
           <a:prstGeom prst="curvedConnector3">
             <a:avLst>
@@ -3906,11 +3818,7 @@
           <a:p>
             <a:r>
               <a:rPr lang="en-US" dirty="0" smtClean="0"/>
-              <a:t>- </a:t>
-            </a:r>
-            <a:r>
-              <a:rPr lang="en-US" dirty="0" smtClean="0"/>
-              <a:t>Ratio by average of baseline</a:t>
+              <a:t>- Ratio by average of baseline</a:t>
             </a:r>
           </a:p>
           <a:p>
@@ -3931,7 +3839,7 @@
         <p:spPr>
           <a:xfrm>
             <a:off x="324623" y="5132825"/>
-            <a:ext cx="1435735" cy="369332"/>
+            <a:ext cx="1625733" cy="369332"/>
           </a:xfrm>
           <a:prstGeom prst="rect">
             <a:avLst/>
@@ -3946,8 +3854,13 @@
           <a:p>
             <a:r>
               <a:rPr lang="en-US" dirty="0" smtClean="0"/>
-              <a:t>- Threshold</a:t>
-            </a:r>
+              <a:t>- </a:t>
+            </a:r>
+            <a:r>
+              <a:rPr lang="en-US" dirty="0" smtClean="0"/>
+              <a:t>Gaussian Blur</a:t>
+            </a:r>
+            <a:endParaRPr lang="en-US" dirty="0" smtClean="0"/>
           </a:p>
         </p:txBody>
       </p:sp>
@@ -3959,7 +3872,7 @@
         </p:nvSpPr>
         <p:spPr>
           <a:xfrm>
-            <a:off x="9388427" y="1914518"/>
+            <a:off x="324623" y="6441270"/>
             <a:ext cx="1726975" cy="369332"/>
           </a:xfrm>
           <a:prstGeom prst="rect">
